--- a/doc/flecsi-documentation-figures.pptx
+++ b/doc/flecsi-documentation-figures.pptx
@@ -5,7 +5,7 @@
     <p:sldMasterId id="2147483648" r:id="rId1"/>
   </p:sldMasterIdLst>
   <p:notesMasterIdLst>
-    <p:notesMasterId r:id="rId10"/>
+    <p:notesMasterId r:id="rId12"/>
   </p:notesMasterIdLst>
   <p:sldIdLst>
     <p:sldId id="256" r:id="rId2"/>
@@ -16,6 +16,8 @@
     <p:sldId id="263" r:id="rId7"/>
     <p:sldId id="262" r:id="rId8"/>
     <p:sldId id="264" r:id="rId9"/>
+    <p:sldId id="265" r:id="rId10"/>
+    <p:sldId id="266" r:id="rId11"/>
   </p:sldIdLst>
   <p:sldSz cx="12192000" cy="6858000"/>
   <p:notesSz cx="6858000" cy="9144000"/>
@@ -204,7 +206,7 @@
           <a:p>
             <a:fld id="{E284E123-620A-9347-A61C-69C902BF227A}" type="datetimeFigureOut">
               <a:rPr lang="en-US" smtClean="0"/>
-              <a:t>9/5/17</a:t>
+              <a:t>10/20/17</a:t>
             </a:fld>
             <a:endParaRPr lang="en-US"/>
           </a:p>
@@ -603,7 +605,7 @@
           <a:p>
             <a:fld id="{47335C36-69A3-874B-97D7-2FA12D2537DD}" type="datetimeFigureOut">
               <a:rPr lang="en-US" smtClean="0"/>
-              <a:t>9/5/17</a:t>
+              <a:t>10/20/17</a:t>
             </a:fld>
             <a:endParaRPr lang="en-US"/>
           </a:p>
@@ -773,7 +775,7 @@
           <a:p>
             <a:fld id="{47335C36-69A3-874B-97D7-2FA12D2537DD}" type="datetimeFigureOut">
               <a:rPr lang="en-US" smtClean="0"/>
-              <a:t>9/5/17</a:t>
+              <a:t>10/20/17</a:t>
             </a:fld>
             <a:endParaRPr lang="en-US"/>
           </a:p>
@@ -953,7 +955,7 @@
           <a:p>
             <a:fld id="{47335C36-69A3-874B-97D7-2FA12D2537DD}" type="datetimeFigureOut">
               <a:rPr lang="en-US" smtClean="0"/>
-              <a:t>9/5/17</a:t>
+              <a:t>10/20/17</a:t>
             </a:fld>
             <a:endParaRPr lang="en-US"/>
           </a:p>
@@ -1123,7 +1125,7 @@
           <a:p>
             <a:fld id="{47335C36-69A3-874B-97D7-2FA12D2537DD}" type="datetimeFigureOut">
               <a:rPr lang="en-US" smtClean="0"/>
-              <a:t>9/5/17</a:t>
+              <a:t>10/20/17</a:t>
             </a:fld>
             <a:endParaRPr lang="en-US"/>
           </a:p>
@@ -1369,7 +1371,7 @@
           <a:p>
             <a:fld id="{47335C36-69A3-874B-97D7-2FA12D2537DD}" type="datetimeFigureOut">
               <a:rPr lang="en-US" smtClean="0"/>
-              <a:t>9/5/17</a:t>
+              <a:t>10/20/17</a:t>
             </a:fld>
             <a:endParaRPr lang="en-US"/>
           </a:p>
@@ -1601,7 +1603,7 @@
           <a:p>
             <a:fld id="{47335C36-69A3-874B-97D7-2FA12D2537DD}" type="datetimeFigureOut">
               <a:rPr lang="en-US" smtClean="0"/>
-              <a:t>9/5/17</a:t>
+              <a:t>10/20/17</a:t>
             </a:fld>
             <a:endParaRPr lang="en-US"/>
           </a:p>
@@ -1968,7 +1970,7 @@
           <a:p>
             <a:fld id="{47335C36-69A3-874B-97D7-2FA12D2537DD}" type="datetimeFigureOut">
               <a:rPr lang="en-US" smtClean="0"/>
-              <a:t>9/5/17</a:t>
+              <a:t>10/20/17</a:t>
             </a:fld>
             <a:endParaRPr lang="en-US"/>
           </a:p>
@@ -2086,7 +2088,7 @@
           <a:p>
             <a:fld id="{47335C36-69A3-874B-97D7-2FA12D2537DD}" type="datetimeFigureOut">
               <a:rPr lang="en-US" smtClean="0"/>
-              <a:t>9/5/17</a:t>
+              <a:t>10/20/17</a:t>
             </a:fld>
             <a:endParaRPr lang="en-US"/>
           </a:p>
@@ -2181,7 +2183,7 @@
           <a:p>
             <a:fld id="{47335C36-69A3-874B-97D7-2FA12D2537DD}" type="datetimeFigureOut">
               <a:rPr lang="en-US" smtClean="0"/>
-              <a:t>9/5/17</a:t>
+              <a:t>10/20/17</a:t>
             </a:fld>
             <a:endParaRPr lang="en-US"/>
           </a:p>
@@ -2458,7 +2460,7 @@
           <a:p>
             <a:fld id="{47335C36-69A3-874B-97D7-2FA12D2537DD}" type="datetimeFigureOut">
               <a:rPr lang="en-US" smtClean="0"/>
-              <a:t>9/5/17</a:t>
+              <a:t>10/20/17</a:t>
             </a:fld>
             <a:endParaRPr lang="en-US"/>
           </a:p>
@@ -2711,7 +2713,7 @@
           <a:p>
             <a:fld id="{47335C36-69A3-874B-97D7-2FA12D2537DD}" type="datetimeFigureOut">
               <a:rPr lang="en-US" smtClean="0"/>
-              <a:t>9/5/17</a:t>
+              <a:t>10/20/17</a:t>
             </a:fld>
             <a:endParaRPr lang="en-US"/>
           </a:p>
@@ -2924,7 +2926,7 @@
           <a:p>
             <a:fld id="{47335C36-69A3-874B-97D7-2FA12D2537DD}" type="datetimeFigureOut">
               <a:rPr lang="en-US" smtClean="0"/>
-              <a:t>9/5/17</a:t>
+              <a:t>10/20/17</a:t>
             </a:fld>
             <a:endParaRPr lang="en-US"/>
           </a:p>
@@ -3410,6 +3412,379 @@
     <p:extLst>
       <p:ext uri="{BB962C8B-B14F-4D97-AF65-F5344CB8AC3E}">
         <p14:creationId xmlns:p14="http://schemas.microsoft.com/office/powerpoint/2010/main" val="862644834"/>
+      </p:ext>
+    </p:extLst>
+  </p:cSld>
+  <p:clrMapOvr>
+    <a:masterClrMapping/>
+  </p:clrMapOvr>
+</p:sld>
+</file>
+
+<file path=ppt/slides/slide10.xml><?xml version="1.0" encoding="utf-8"?>
+<p:sld xmlns:a="http://schemas.openxmlformats.org/drawingml/2006/main" xmlns:r="http://schemas.openxmlformats.org/officeDocument/2006/relationships" xmlns:p="http://schemas.openxmlformats.org/presentationml/2006/main">
+  <p:cSld>
+    <p:spTree>
+      <p:nvGrpSpPr>
+        <p:cNvPr id="1" name=""/>
+        <p:cNvGrpSpPr/>
+        <p:nvPr/>
+      </p:nvGrpSpPr>
+      <p:grpSpPr>
+        <a:xfrm>
+          <a:off x="0" y="0"/>
+          <a:ext cx="0" cy="0"/>
+          <a:chOff x="0" y="0"/>
+          <a:chExt cx="0" cy="0"/>
+        </a:xfrm>
+      </p:grpSpPr>
+      <p:grpSp>
+        <p:nvGrpSpPr>
+          <p:cNvPr id="8" name="Group 7"/>
+          <p:cNvGrpSpPr/>
+          <p:nvPr/>
+        </p:nvGrpSpPr>
+        <p:grpSpPr>
+          <a:xfrm>
+            <a:off x="2220686" y="1915886"/>
+            <a:ext cx="6825343" cy="3548741"/>
+            <a:chOff x="2220686" y="1915886"/>
+            <a:chExt cx="6825343" cy="3548741"/>
+          </a:xfrm>
+        </p:grpSpPr>
+        <p:sp>
+          <p:nvSpPr>
+            <p:cNvPr id="3" name="Rectangle 2"/>
+            <p:cNvSpPr/>
+            <p:nvPr/>
+          </p:nvSpPr>
+          <p:spPr>
+            <a:xfrm>
+              <a:off x="2220686" y="3352798"/>
+              <a:ext cx="6825343" cy="2111829"/>
+            </a:xfrm>
+            <a:prstGeom prst="rect">
+              <a:avLst/>
+            </a:prstGeom>
+            <a:solidFill>
+              <a:schemeClr val="accent5">
+                <a:lumMod val="20000"/>
+                <a:lumOff val="80000"/>
+              </a:schemeClr>
+            </a:solidFill>
+            <a:ln w="25400">
+              <a:solidFill>
+                <a:schemeClr val="tx1"/>
+              </a:solidFill>
+            </a:ln>
+          </p:spPr>
+          <p:style>
+            <a:lnRef idx="2">
+              <a:schemeClr val="accent1">
+                <a:shade val="50000"/>
+              </a:schemeClr>
+            </a:lnRef>
+            <a:fillRef idx="1">
+              <a:schemeClr val="accent1"/>
+            </a:fillRef>
+            <a:effectRef idx="0">
+              <a:schemeClr val="accent1"/>
+            </a:effectRef>
+            <a:fontRef idx="minor">
+              <a:schemeClr val="lt1"/>
+            </a:fontRef>
+          </p:style>
+          <p:txBody>
+            <a:bodyPr rtlCol="0" anchor="t"/>
+            <a:lstStyle/>
+            <a:p>
+              <a:r>
+                <a:rPr lang="en-US" sz="2400" b="1" dirty="0" err="1" smtClean="0">
+                  <a:solidFill>
+                    <a:schemeClr val="tx1"/>
+                  </a:solidFill>
+                </a:rPr>
+                <a:t>FleCSI</a:t>
+              </a:r>
+              <a:r>
+                <a:rPr lang="en-US" sz="2400" b="1" dirty="0" smtClean="0">
+                  <a:solidFill>
+                    <a:schemeClr val="tx1"/>
+                  </a:solidFill>
+                </a:rPr>
+                <a:t> Core</a:t>
+              </a:r>
+              <a:endParaRPr lang="en-US" sz="2400" b="1" dirty="0">
+                <a:solidFill>
+                  <a:schemeClr val="tx1"/>
+                </a:solidFill>
+              </a:endParaRPr>
+            </a:p>
+          </p:txBody>
+        </p:sp>
+        <p:sp>
+          <p:nvSpPr>
+            <p:cNvPr id="4" name="Rectangle 3"/>
+            <p:cNvSpPr/>
+            <p:nvPr/>
+          </p:nvSpPr>
+          <p:spPr>
+            <a:xfrm>
+              <a:off x="3058885" y="3853542"/>
+              <a:ext cx="2677886" cy="1469570"/>
+            </a:xfrm>
+            <a:prstGeom prst="rect">
+              <a:avLst/>
+            </a:prstGeom>
+            <a:solidFill>
+              <a:schemeClr val="accent5">
+                <a:lumMod val="40000"/>
+                <a:lumOff val="60000"/>
+              </a:schemeClr>
+            </a:solidFill>
+            <a:ln w="25400">
+              <a:solidFill>
+                <a:schemeClr val="tx1"/>
+              </a:solidFill>
+            </a:ln>
+          </p:spPr>
+          <p:style>
+            <a:lnRef idx="2">
+              <a:schemeClr val="accent1">
+                <a:shade val="50000"/>
+              </a:schemeClr>
+            </a:lnRef>
+            <a:fillRef idx="1">
+              <a:schemeClr val="accent1"/>
+            </a:fillRef>
+            <a:effectRef idx="0">
+              <a:schemeClr val="accent1"/>
+            </a:effectRef>
+            <a:fontRef idx="minor">
+              <a:schemeClr val="lt1"/>
+            </a:fontRef>
+          </p:style>
+          <p:txBody>
+            <a:bodyPr rtlCol="0" anchor="ctr"/>
+            <a:lstStyle/>
+            <a:p>
+              <a:pPr algn="ctr"/>
+              <a:r>
+                <a:rPr lang="en-US" sz="2400" b="1" smtClean="0">
+                  <a:solidFill>
+                    <a:schemeClr val="tx1"/>
+                  </a:solidFill>
+                </a:rPr>
+                <a:t>Runtime</a:t>
+              </a:r>
+              <a:endParaRPr lang="en-US" sz="2400" b="1">
+                <a:solidFill>
+                  <a:schemeClr val="tx1"/>
+                </a:solidFill>
+              </a:endParaRPr>
+            </a:p>
+          </p:txBody>
+        </p:sp>
+        <p:sp>
+          <p:nvSpPr>
+            <p:cNvPr id="5" name="Rectangle 4"/>
+            <p:cNvSpPr/>
+            <p:nvPr/>
+          </p:nvSpPr>
+          <p:spPr>
+            <a:xfrm>
+              <a:off x="6085114" y="3853542"/>
+              <a:ext cx="2677886" cy="1469570"/>
+            </a:xfrm>
+            <a:prstGeom prst="rect">
+              <a:avLst/>
+            </a:prstGeom>
+            <a:solidFill>
+              <a:schemeClr val="accent5">
+                <a:lumMod val="60000"/>
+                <a:lumOff val="40000"/>
+              </a:schemeClr>
+            </a:solidFill>
+            <a:ln w="25400">
+              <a:solidFill>
+                <a:schemeClr val="tx1"/>
+              </a:solidFill>
+            </a:ln>
+          </p:spPr>
+          <p:style>
+            <a:lnRef idx="2">
+              <a:schemeClr val="accent1">
+                <a:shade val="50000"/>
+              </a:schemeClr>
+            </a:lnRef>
+            <a:fillRef idx="1">
+              <a:schemeClr val="accent1"/>
+            </a:fillRef>
+            <a:effectRef idx="0">
+              <a:schemeClr val="accent1"/>
+            </a:effectRef>
+            <a:fontRef idx="minor">
+              <a:schemeClr val="lt1"/>
+            </a:fontRef>
+          </p:style>
+          <p:txBody>
+            <a:bodyPr rtlCol="0" anchor="ctr"/>
+            <a:lstStyle/>
+            <a:p>
+              <a:pPr algn="ctr"/>
+              <a:r>
+                <a:rPr lang="en-US" sz="2400" b="1" smtClean="0">
+                  <a:solidFill>
+                    <a:schemeClr val="tx1"/>
+                  </a:solidFill>
+                </a:rPr>
+                <a:t>Data Structures</a:t>
+              </a:r>
+              <a:endParaRPr lang="en-US" sz="2400" b="1">
+                <a:solidFill>
+                  <a:schemeClr val="tx1"/>
+                </a:solidFill>
+              </a:endParaRPr>
+            </a:p>
+          </p:txBody>
+        </p:sp>
+        <p:sp>
+          <p:nvSpPr>
+            <p:cNvPr id="6" name="Rectangle 5"/>
+            <p:cNvSpPr/>
+            <p:nvPr/>
+          </p:nvSpPr>
+          <p:spPr>
+            <a:xfrm>
+              <a:off x="2220686" y="2634342"/>
+              <a:ext cx="6825343" cy="718456"/>
+            </a:xfrm>
+            <a:prstGeom prst="rect">
+              <a:avLst/>
+            </a:prstGeom>
+            <a:solidFill>
+              <a:schemeClr val="accent6">
+                <a:lumMod val="40000"/>
+                <a:lumOff val="60000"/>
+              </a:schemeClr>
+            </a:solidFill>
+            <a:ln w="25400">
+              <a:solidFill>
+                <a:schemeClr val="tx1"/>
+              </a:solidFill>
+            </a:ln>
+          </p:spPr>
+          <p:style>
+            <a:lnRef idx="2">
+              <a:schemeClr val="accent1">
+                <a:shade val="50000"/>
+              </a:schemeClr>
+            </a:lnRef>
+            <a:fillRef idx="1">
+              <a:schemeClr val="accent1"/>
+            </a:fillRef>
+            <a:effectRef idx="0">
+              <a:schemeClr val="accent1"/>
+            </a:effectRef>
+            <a:fontRef idx="minor">
+              <a:schemeClr val="lt1"/>
+            </a:fontRef>
+          </p:style>
+          <p:txBody>
+            <a:bodyPr rtlCol="0" anchor="t"/>
+            <a:lstStyle/>
+            <a:p>
+              <a:r>
+                <a:rPr lang="en-US" sz="2400" b="1" dirty="0" err="1" smtClean="0">
+                  <a:solidFill>
+                    <a:schemeClr val="tx1"/>
+                  </a:solidFill>
+                </a:rPr>
+                <a:t>FleCSI</a:t>
+              </a:r>
+              <a:r>
+                <a:rPr lang="en-US" sz="2400" b="1" dirty="0" smtClean="0">
+                  <a:solidFill>
+                    <a:schemeClr val="tx1"/>
+                  </a:solidFill>
+                </a:rPr>
+                <a:t> Specialization</a:t>
+              </a:r>
+              <a:endParaRPr lang="en-US" sz="2400" b="1" dirty="0">
+                <a:solidFill>
+                  <a:schemeClr val="tx1"/>
+                </a:solidFill>
+              </a:endParaRPr>
+            </a:p>
+          </p:txBody>
+        </p:sp>
+        <p:sp>
+          <p:nvSpPr>
+            <p:cNvPr id="7" name="Rectangle 6"/>
+            <p:cNvSpPr/>
+            <p:nvPr/>
+          </p:nvSpPr>
+          <p:spPr>
+            <a:xfrm>
+              <a:off x="2220686" y="1915886"/>
+              <a:ext cx="6825343" cy="718456"/>
+            </a:xfrm>
+            <a:prstGeom prst="rect">
+              <a:avLst/>
+            </a:prstGeom>
+            <a:solidFill>
+              <a:schemeClr val="accent1">
+                <a:lumMod val="40000"/>
+                <a:lumOff val="60000"/>
+              </a:schemeClr>
+            </a:solidFill>
+            <a:ln w="25400">
+              <a:solidFill>
+                <a:schemeClr val="tx1"/>
+              </a:solidFill>
+            </a:ln>
+          </p:spPr>
+          <p:style>
+            <a:lnRef idx="2">
+              <a:schemeClr val="accent1">
+                <a:shade val="50000"/>
+              </a:schemeClr>
+            </a:lnRef>
+            <a:fillRef idx="1">
+              <a:schemeClr val="accent1"/>
+            </a:fillRef>
+            <a:effectRef idx="0">
+              <a:schemeClr val="accent1"/>
+            </a:effectRef>
+            <a:fontRef idx="minor">
+              <a:schemeClr val="lt1"/>
+            </a:fontRef>
+          </p:style>
+          <p:txBody>
+            <a:bodyPr rtlCol="0" anchor="t"/>
+            <a:lstStyle/>
+            <a:p>
+              <a:r>
+                <a:rPr lang="en-US" sz="2400" b="1" dirty="0" smtClean="0">
+                  <a:solidFill>
+                    <a:schemeClr val="tx1"/>
+                  </a:solidFill>
+                </a:rPr>
+                <a:t>Application</a:t>
+              </a:r>
+              <a:endParaRPr lang="en-US" sz="2400" b="1" dirty="0">
+                <a:solidFill>
+                  <a:schemeClr val="tx1"/>
+                </a:solidFill>
+              </a:endParaRPr>
+            </a:p>
+          </p:txBody>
+        </p:sp>
+      </p:grpSp>
+    </p:spTree>
+    <p:extLst>
+      <p:ext uri="{BB962C8B-B14F-4D97-AF65-F5344CB8AC3E}">
+        <p14:creationId xmlns:p14="http://schemas.microsoft.com/office/powerpoint/2010/main" val="1358041614"/>
       </p:ext>
     </p:extLst>
   </p:cSld>
@@ -16558,7 +16933,6 @@
               <a:rPr lang="en-US" sz="1200" dirty="0"/>
               <a:t>2</a:t>
             </a:r>
-            <a:endParaRPr lang="en-US" sz="1200" dirty="0"/>
           </a:p>
         </p:txBody>
       </p:sp>
@@ -25029,7 +25403,6 @@
                 <a:rPr lang="en-US" sz="1200" dirty="0"/>
                 <a:t>2</a:t>
               </a:r>
-              <a:endParaRPr lang="en-US" sz="1200" dirty="0"/>
             </a:p>
           </p:txBody>
         </p:sp>
@@ -25895,6 +26268,1344 @@
 </p:sld>
 </file>
 
+<file path=ppt/slides/slide9.xml><?xml version="1.0" encoding="utf-8"?>
+<p:sld xmlns:a="http://schemas.openxmlformats.org/drawingml/2006/main" xmlns:r="http://schemas.openxmlformats.org/officeDocument/2006/relationships" xmlns:p="http://schemas.openxmlformats.org/presentationml/2006/main">
+  <p:cSld>
+    <p:spTree>
+      <p:nvGrpSpPr>
+        <p:cNvPr id="1" name=""/>
+        <p:cNvGrpSpPr/>
+        <p:nvPr/>
+      </p:nvGrpSpPr>
+      <p:grpSpPr>
+        <a:xfrm>
+          <a:off x="0" y="0"/>
+          <a:ext cx="0" cy="0"/>
+          <a:chOff x="0" y="0"/>
+          <a:chExt cx="0" cy="0"/>
+        </a:xfrm>
+      </p:grpSpPr>
+      <p:grpSp>
+        <p:nvGrpSpPr>
+          <p:cNvPr id="52" name="Group 51"/>
+          <p:cNvGrpSpPr/>
+          <p:nvPr/>
+        </p:nvGrpSpPr>
+        <p:grpSpPr>
+          <a:xfrm>
+            <a:off x="119743" y="21770"/>
+            <a:ext cx="11389790" cy="6956420"/>
+            <a:chOff x="119743" y="21770"/>
+            <a:chExt cx="11389790" cy="6956420"/>
+          </a:xfrm>
+        </p:grpSpPr>
+        <p:sp>
+          <p:nvSpPr>
+            <p:cNvPr id="41" name="Rectangle 40"/>
+            <p:cNvSpPr/>
+            <p:nvPr/>
+          </p:nvSpPr>
+          <p:spPr>
+            <a:xfrm>
+              <a:off x="119743" y="2945632"/>
+              <a:ext cx="11386457" cy="2015100"/>
+            </a:xfrm>
+            <a:prstGeom prst="rect">
+              <a:avLst/>
+            </a:prstGeom>
+            <a:solidFill>
+              <a:schemeClr val="accent6">
+                <a:lumMod val="20000"/>
+                <a:lumOff val="80000"/>
+                <a:alpha val="62000"/>
+              </a:schemeClr>
+            </a:solidFill>
+            <a:ln>
+              <a:noFill/>
+            </a:ln>
+          </p:spPr>
+          <p:style>
+            <a:lnRef idx="2">
+              <a:schemeClr val="accent1">
+                <a:shade val="50000"/>
+              </a:schemeClr>
+            </a:lnRef>
+            <a:fillRef idx="1">
+              <a:schemeClr val="accent1"/>
+            </a:fillRef>
+            <a:effectRef idx="0">
+              <a:schemeClr val="accent1"/>
+            </a:effectRef>
+            <a:fontRef idx="minor">
+              <a:schemeClr val="lt1"/>
+            </a:fontRef>
+          </p:style>
+          <p:txBody>
+            <a:bodyPr rtlCol="0" anchor="ctr"/>
+            <a:lstStyle/>
+            <a:p>
+              <a:pPr algn="ctr"/>
+              <a:endParaRPr lang="en-US"/>
+            </a:p>
+          </p:txBody>
+        </p:sp>
+        <p:sp>
+          <p:nvSpPr>
+            <p:cNvPr id="40" name="Rectangle 39"/>
+            <p:cNvSpPr/>
+            <p:nvPr/>
+          </p:nvSpPr>
+          <p:spPr>
+            <a:xfrm>
+              <a:off x="119743" y="21771"/>
+              <a:ext cx="11386457" cy="2923861"/>
+            </a:xfrm>
+            <a:prstGeom prst="rect">
+              <a:avLst/>
+            </a:prstGeom>
+            <a:solidFill>
+              <a:schemeClr val="accent5">
+                <a:lumMod val="20000"/>
+                <a:lumOff val="80000"/>
+                <a:alpha val="62000"/>
+              </a:schemeClr>
+            </a:solidFill>
+            <a:ln>
+              <a:noFill/>
+            </a:ln>
+          </p:spPr>
+          <p:style>
+            <a:lnRef idx="2">
+              <a:schemeClr val="accent1">
+                <a:shade val="50000"/>
+              </a:schemeClr>
+            </a:lnRef>
+            <a:fillRef idx="1">
+              <a:schemeClr val="accent1"/>
+            </a:fillRef>
+            <a:effectRef idx="0">
+              <a:schemeClr val="accent1"/>
+            </a:effectRef>
+            <a:fontRef idx="minor">
+              <a:schemeClr val="lt1"/>
+            </a:fontRef>
+          </p:style>
+          <p:txBody>
+            <a:bodyPr rtlCol="0" anchor="ctr"/>
+            <a:lstStyle/>
+            <a:p>
+              <a:pPr algn="ctr"/>
+              <a:endParaRPr lang="en-US"/>
+            </a:p>
+          </p:txBody>
+        </p:sp>
+        <p:sp>
+          <p:nvSpPr>
+            <p:cNvPr id="2" name="Rectangle 1"/>
+            <p:cNvSpPr/>
+            <p:nvPr/>
+          </p:nvSpPr>
+          <p:spPr>
+            <a:xfrm>
+              <a:off x="1595845" y="306976"/>
+              <a:ext cx="1689463" cy="531223"/>
+            </a:xfrm>
+            <a:prstGeom prst="rect">
+              <a:avLst/>
+            </a:prstGeom>
+            <a:solidFill>
+              <a:schemeClr val="accent5">
+                <a:lumMod val="60000"/>
+                <a:lumOff val="40000"/>
+              </a:schemeClr>
+            </a:solidFill>
+            <a:ln w="25400">
+              <a:solidFill>
+                <a:schemeClr val="tx1"/>
+              </a:solidFill>
+            </a:ln>
+            <a:effectLst/>
+          </p:spPr>
+          <p:style>
+            <a:lnRef idx="2">
+              <a:schemeClr val="accent1">
+                <a:shade val="50000"/>
+              </a:schemeClr>
+            </a:lnRef>
+            <a:fillRef idx="1">
+              <a:schemeClr val="accent1"/>
+            </a:fillRef>
+            <a:effectRef idx="0">
+              <a:schemeClr val="accent1"/>
+            </a:effectRef>
+            <a:fontRef idx="minor">
+              <a:schemeClr val="lt1"/>
+            </a:fontRef>
+          </p:style>
+          <p:txBody>
+            <a:bodyPr rtlCol="0" anchor="ctr"/>
+            <a:lstStyle/>
+            <a:p>
+              <a:pPr algn="ctr"/>
+              <a:r>
+                <a:rPr lang="en-US" dirty="0" err="1" smtClean="0">
+                  <a:solidFill>
+                    <a:schemeClr val="tx1"/>
+                  </a:solidFill>
+                </a:rPr>
+                <a:t>flecsi</a:t>
+              </a:r>
+              <a:r>
+                <a:rPr lang="en-US" dirty="0" smtClean="0">
+                  <a:solidFill>
+                    <a:schemeClr val="tx1"/>
+                  </a:solidFill>
+                </a:rPr>
+                <a:t>::initialize</a:t>
+              </a:r>
+              <a:endParaRPr lang="en-US" dirty="0">
+                <a:solidFill>
+                  <a:schemeClr val="tx1"/>
+                </a:solidFill>
+              </a:endParaRPr>
+            </a:p>
+          </p:txBody>
+        </p:sp>
+        <p:sp>
+          <p:nvSpPr>
+            <p:cNvPr id="3" name="Rectangle 2"/>
+            <p:cNvSpPr/>
+            <p:nvPr/>
+          </p:nvSpPr>
+          <p:spPr>
+            <a:xfrm>
+              <a:off x="1008017" y="1596823"/>
+              <a:ext cx="1550126" cy="923330"/>
+            </a:xfrm>
+            <a:prstGeom prst="rect">
+              <a:avLst/>
+            </a:prstGeom>
+            <a:solidFill>
+              <a:schemeClr val="accent5">
+                <a:lumMod val="40000"/>
+                <a:lumOff val="60000"/>
+              </a:schemeClr>
+            </a:solidFill>
+            <a:ln w="25400">
+              <a:solidFill>
+                <a:schemeClr val="tx1"/>
+              </a:solidFill>
+            </a:ln>
+            <a:effectLst/>
+          </p:spPr>
+          <p:style>
+            <a:lnRef idx="2">
+              <a:schemeClr val="accent1">
+                <a:shade val="50000"/>
+              </a:schemeClr>
+            </a:lnRef>
+            <a:fillRef idx="1">
+              <a:schemeClr val="accent1"/>
+            </a:fillRef>
+            <a:effectRef idx="0">
+              <a:schemeClr val="accent1"/>
+            </a:effectRef>
+            <a:fontRef idx="minor">
+              <a:schemeClr val="lt1"/>
+            </a:fontRef>
+          </p:style>
+          <p:txBody>
+            <a:bodyPr rtlCol="0" anchor="ctr">
+              <a:spAutoFit/>
+            </a:bodyPr>
+            <a:lstStyle/>
+            <a:p>
+              <a:pPr algn="ctr"/>
+              <a:r>
+                <a:rPr lang="en-US" dirty="0" smtClean="0">
+                  <a:solidFill>
+                    <a:schemeClr val="tx1"/>
+                  </a:solidFill>
+                </a:rPr>
+                <a:t>process </a:t>
+              </a:r>
+              <a:r>
+                <a:rPr lang="en-US" smtClean="0">
+                  <a:solidFill>
+                    <a:schemeClr val="tx1"/>
+                  </a:solidFill>
+                </a:rPr>
+                <a:t>registered tasks</a:t>
+              </a:r>
+              <a:endParaRPr lang="en-US" dirty="0">
+                <a:solidFill>
+                  <a:schemeClr val="tx1"/>
+                </a:solidFill>
+              </a:endParaRPr>
+            </a:p>
+          </p:txBody>
+        </p:sp>
+        <p:cxnSp>
+          <p:nvCxnSpPr>
+            <p:cNvPr id="5" name="Curved Connector 4"/>
+            <p:cNvCxnSpPr>
+              <a:stCxn id="2" idx="2"/>
+              <a:endCxn id="3" idx="1"/>
+            </p:cNvCxnSpPr>
+            <p:nvPr/>
+          </p:nvCxnSpPr>
+          <p:spPr>
+            <a:xfrm rot="5400000">
+              <a:off x="1114153" y="732063"/>
+              <a:ext cx="1220289" cy="1432560"/>
+            </a:xfrm>
+            <a:prstGeom prst="curvedConnector4">
+              <a:avLst>
+                <a:gd name="adj1" fmla="val 31084"/>
+                <a:gd name="adj2" fmla="val 142553"/>
+              </a:avLst>
+            </a:prstGeom>
+            <a:ln w="31750">
+              <a:solidFill>
+                <a:schemeClr val="tx1"/>
+              </a:solidFill>
+              <a:tailEnd type="triangle"/>
+            </a:ln>
+          </p:spPr>
+          <p:style>
+            <a:lnRef idx="1">
+              <a:schemeClr val="accent1"/>
+            </a:lnRef>
+            <a:fillRef idx="0">
+              <a:schemeClr val="accent1"/>
+            </a:fillRef>
+            <a:effectRef idx="0">
+              <a:schemeClr val="accent1"/>
+            </a:effectRef>
+            <a:fontRef idx="minor">
+              <a:schemeClr val="tx1"/>
+            </a:fontRef>
+          </p:style>
+        </p:cxnSp>
+        <p:sp>
+          <p:nvSpPr>
+            <p:cNvPr id="8" name="Rectangle 7"/>
+            <p:cNvSpPr/>
+            <p:nvPr/>
+          </p:nvSpPr>
+          <p:spPr>
+            <a:xfrm>
+              <a:off x="3533503" y="1596823"/>
+              <a:ext cx="1550126" cy="923330"/>
+            </a:xfrm>
+            <a:prstGeom prst="rect">
+              <a:avLst/>
+            </a:prstGeom>
+            <a:solidFill>
+              <a:schemeClr val="accent5">
+                <a:lumMod val="40000"/>
+                <a:lumOff val="60000"/>
+              </a:schemeClr>
+            </a:solidFill>
+            <a:ln w="25400">
+              <a:solidFill>
+                <a:schemeClr val="tx1"/>
+              </a:solidFill>
+            </a:ln>
+            <a:effectLst/>
+          </p:spPr>
+          <p:style>
+            <a:lnRef idx="2">
+              <a:schemeClr val="accent1">
+                <a:shade val="50000"/>
+              </a:schemeClr>
+            </a:lnRef>
+            <a:fillRef idx="1">
+              <a:schemeClr val="accent1"/>
+            </a:fillRef>
+            <a:effectRef idx="0">
+              <a:schemeClr val="accent1"/>
+            </a:effectRef>
+            <a:fontRef idx="minor">
+              <a:schemeClr val="lt1"/>
+            </a:fontRef>
+          </p:style>
+          <p:txBody>
+            <a:bodyPr rtlCol="0" anchor="ctr">
+              <a:spAutoFit/>
+            </a:bodyPr>
+            <a:lstStyle/>
+            <a:p>
+              <a:pPr algn="ctr"/>
+              <a:r>
+                <a:rPr lang="en-US" smtClean="0">
+                  <a:solidFill>
+                    <a:schemeClr val="tx1"/>
+                  </a:solidFill>
+                </a:rPr>
+                <a:t>execute runtime</a:t>
+              </a:r>
+              <a:br>
+                <a:rPr lang="en-US" smtClean="0">
+                  <a:solidFill>
+                    <a:schemeClr val="tx1"/>
+                  </a:solidFill>
+                </a:rPr>
+              </a:br>
+              <a:r>
+                <a:rPr lang="en-US" smtClean="0">
+                  <a:solidFill>
+                    <a:schemeClr val="tx1"/>
+                  </a:solidFill>
+                </a:rPr>
+                <a:t>driver</a:t>
+              </a:r>
+              <a:endParaRPr lang="en-US" dirty="0">
+                <a:solidFill>
+                  <a:schemeClr val="tx1"/>
+                </a:solidFill>
+              </a:endParaRPr>
+            </a:p>
+          </p:txBody>
+        </p:sp>
+        <p:cxnSp>
+          <p:nvCxnSpPr>
+            <p:cNvPr id="10" name="Straight Arrow Connector 9"/>
+            <p:cNvCxnSpPr>
+              <a:stCxn id="3" idx="3"/>
+              <a:endCxn id="8" idx="1"/>
+            </p:cNvCxnSpPr>
+            <p:nvPr/>
+          </p:nvCxnSpPr>
+          <p:spPr>
+            <a:xfrm>
+              <a:off x="2558143" y="2058488"/>
+              <a:ext cx="975360" cy="0"/>
+            </a:xfrm>
+            <a:prstGeom prst="straightConnector1">
+              <a:avLst/>
+            </a:prstGeom>
+            <a:ln w="28575">
+              <a:solidFill>
+                <a:schemeClr val="tx1"/>
+              </a:solidFill>
+              <a:tailEnd type="triangle"/>
+            </a:ln>
+          </p:spPr>
+          <p:style>
+            <a:lnRef idx="1">
+              <a:schemeClr val="accent1"/>
+            </a:lnRef>
+            <a:fillRef idx="0">
+              <a:schemeClr val="accent1"/>
+            </a:fillRef>
+            <a:effectRef idx="0">
+              <a:schemeClr val="accent1"/>
+            </a:effectRef>
+            <a:fontRef idx="minor">
+              <a:schemeClr val="tx1"/>
+            </a:fontRef>
+          </p:style>
+        </p:cxnSp>
+        <p:cxnSp>
+          <p:nvCxnSpPr>
+            <p:cNvPr id="12" name="Curved Connector 11"/>
+            <p:cNvCxnSpPr>
+              <a:stCxn id="8" idx="2"/>
+              <a:endCxn id="11" idx="1"/>
+            </p:cNvCxnSpPr>
+            <p:nvPr/>
+          </p:nvCxnSpPr>
+          <p:spPr>
+            <a:xfrm rot="5400000">
+              <a:off x="2405510" y="2050125"/>
+              <a:ext cx="1433029" cy="2373084"/>
+            </a:xfrm>
+            <a:prstGeom prst="curvedConnector4">
+              <a:avLst>
+                <a:gd name="adj1" fmla="val 30094"/>
+                <a:gd name="adj2" fmla="val 120642"/>
+              </a:avLst>
+            </a:prstGeom>
+            <a:ln w="31750">
+              <a:solidFill>
+                <a:schemeClr val="tx1"/>
+              </a:solidFill>
+              <a:tailEnd type="triangle"/>
+            </a:ln>
+          </p:spPr>
+          <p:style>
+            <a:lnRef idx="1">
+              <a:schemeClr val="accent1"/>
+            </a:lnRef>
+            <a:fillRef idx="0">
+              <a:schemeClr val="accent1"/>
+            </a:fillRef>
+            <a:effectRef idx="0">
+              <a:schemeClr val="accent1"/>
+            </a:effectRef>
+            <a:fontRef idx="minor">
+              <a:schemeClr val="tx1"/>
+            </a:fontRef>
+          </p:style>
+        </p:cxnSp>
+        <p:grpSp>
+          <p:nvGrpSpPr>
+            <p:cNvPr id="42" name="Group 41"/>
+            <p:cNvGrpSpPr/>
+            <p:nvPr/>
+          </p:nvGrpSpPr>
+          <p:grpSpPr>
+            <a:xfrm>
+              <a:off x="1935482" y="3491517"/>
+              <a:ext cx="8669378" cy="923331"/>
+              <a:chOff x="1935482" y="3725093"/>
+              <a:chExt cx="8669378" cy="923331"/>
+            </a:xfrm>
+          </p:grpSpPr>
+          <p:sp>
+            <p:nvSpPr>
+              <p:cNvPr id="11" name="Rectangle 10"/>
+              <p:cNvSpPr/>
+              <p:nvPr/>
+            </p:nvSpPr>
+            <p:spPr>
+              <a:xfrm>
+                <a:off x="1935482" y="3725093"/>
+                <a:ext cx="1550126" cy="923330"/>
+              </a:xfrm>
+              <a:prstGeom prst="rect">
+                <a:avLst/>
+              </a:prstGeom>
+              <a:solidFill>
+                <a:schemeClr val="accent6">
+                  <a:lumMod val="40000"/>
+                  <a:lumOff val="60000"/>
+                </a:schemeClr>
+              </a:solidFill>
+              <a:ln w="25400">
+                <a:solidFill>
+                  <a:schemeClr val="tx1"/>
+                </a:solidFill>
+              </a:ln>
+              <a:effectLst/>
+            </p:spPr>
+            <p:style>
+              <a:lnRef idx="2">
+                <a:schemeClr val="accent1">
+                  <a:shade val="50000"/>
+                </a:schemeClr>
+              </a:lnRef>
+              <a:fillRef idx="1">
+                <a:schemeClr val="accent1"/>
+              </a:fillRef>
+              <a:effectRef idx="0">
+                <a:schemeClr val="accent1"/>
+              </a:effectRef>
+              <a:fontRef idx="minor">
+                <a:schemeClr val="lt1"/>
+              </a:fontRef>
+            </p:style>
+            <p:txBody>
+              <a:bodyPr rtlCol="0" anchor="ctr">
+                <a:spAutoFit/>
+              </a:bodyPr>
+              <a:lstStyle/>
+              <a:p>
+                <a:pPr algn="ctr"/>
+                <a:r>
+                  <a:rPr lang="en-US" dirty="0" smtClean="0">
+                    <a:solidFill>
+                      <a:schemeClr val="tx1"/>
+                    </a:solidFill>
+                  </a:rPr>
+                  <a:t>process registered data clients</a:t>
+                </a:r>
+                <a:endParaRPr lang="en-US" dirty="0">
+                  <a:solidFill>
+                    <a:schemeClr val="tx1"/>
+                  </a:solidFill>
+                </a:endParaRPr>
+              </a:p>
+            </p:txBody>
+          </p:sp>
+          <p:sp>
+            <p:nvSpPr>
+              <p:cNvPr id="17" name="Rectangle 16"/>
+              <p:cNvSpPr/>
+              <p:nvPr/>
+            </p:nvSpPr>
+            <p:spPr>
+              <a:xfrm>
+                <a:off x="4308566" y="3725093"/>
+                <a:ext cx="1550126" cy="923330"/>
+              </a:xfrm>
+              <a:prstGeom prst="rect">
+                <a:avLst/>
+              </a:prstGeom>
+              <a:solidFill>
+                <a:schemeClr val="accent6">
+                  <a:lumMod val="40000"/>
+                  <a:lumOff val="60000"/>
+                </a:schemeClr>
+              </a:solidFill>
+              <a:ln w="25400">
+                <a:solidFill>
+                  <a:schemeClr val="tx1"/>
+                </a:solidFill>
+              </a:ln>
+              <a:effectLst/>
+            </p:spPr>
+            <p:style>
+              <a:lnRef idx="2">
+                <a:schemeClr val="accent1">
+                  <a:shade val="50000"/>
+                </a:schemeClr>
+              </a:lnRef>
+              <a:fillRef idx="1">
+                <a:schemeClr val="accent1"/>
+              </a:fillRef>
+              <a:effectRef idx="0">
+                <a:schemeClr val="accent1"/>
+              </a:effectRef>
+              <a:fontRef idx="minor">
+                <a:schemeClr val="lt1"/>
+              </a:fontRef>
+            </p:style>
+            <p:txBody>
+              <a:bodyPr rtlCol="0" anchor="ctr">
+                <a:spAutoFit/>
+              </a:bodyPr>
+              <a:lstStyle/>
+              <a:p>
+                <a:pPr algn="ctr"/>
+                <a:r>
+                  <a:rPr lang="en-US" dirty="0" smtClean="0">
+                    <a:solidFill>
+                      <a:schemeClr val="tx1"/>
+                    </a:solidFill>
+                  </a:rPr>
+                  <a:t>process registered fields</a:t>
+                </a:r>
+                <a:endParaRPr lang="en-US" dirty="0">
+                  <a:solidFill>
+                    <a:schemeClr val="tx1"/>
+                  </a:solidFill>
+                </a:endParaRPr>
+              </a:p>
+            </p:txBody>
+          </p:sp>
+          <p:cxnSp>
+            <p:nvCxnSpPr>
+              <p:cNvPr id="18" name="Straight Arrow Connector 17"/>
+              <p:cNvCxnSpPr>
+                <a:stCxn id="11" idx="3"/>
+                <a:endCxn id="17" idx="1"/>
+              </p:cNvCxnSpPr>
+              <p:nvPr/>
+            </p:nvCxnSpPr>
+            <p:spPr>
+              <a:xfrm>
+                <a:off x="3485608" y="4186758"/>
+                <a:ext cx="822958" cy="0"/>
+              </a:xfrm>
+              <a:prstGeom prst="straightConnector1">
+                <a:avLst/>
+              </a:prstGeom>
+              <a:ln w="28575">
+                <a:solidFill>
+                  <a:schemeClr val="tx1"/>
+                </a:solidFill>
+                <a:tailEnd type="triangle"/>
+              </a:ln>
+            </p:spPr>
+            <p:style>
+              <a:lnRef idx="1">
+                <a:schemeClr val="accent1"/>
+              </a:lnRef>
+              <a:fillRef idx="0">
+                <a:schemeClr val="accent1"/>
+              </a:fillRef>
+              <a:effectRef idx="0">
+                <a:schemeClr val="accent1"/>
+              </a:effectRef>
+              <a:fontRef idx="minor">
+                <a:schemeClr val="tx1"/>
+              </a:fontRef>
+            </p:style>
+          </p:cxnSp>
+          <p:sp>
+            <p:nvSpPr>
+              <p:cNvPr id="21" name="Rectangle 20"/>
+              <p:cNvSpPr/>
+              <p:nvPr/>
+            </p:nvSpPr>
+            <p:spPr>
+              <a:xfrm>
+                <a:off x="6681650" y="3725094"/>
+                <a:ext cx="1550126" cy="923330"/>
+              </a:xfrm>
+              <a:prstGeom prst="rect">
+                <a:avLst/>
+              </a:prstGeom>
+              <a:solidFill>
+                <a:schemeClr val="accent6">
+                  <a:lumMod val="40000"/>
+                  <a:lumOff val="60000"/>
+                </a:schemeClr>
+              </a:solidFill>
+              <a:ln w="25400">
+                <a:solidFill>
+                  <a:schemeClr val="tx1"/>
+                </a:solidFill>
+              </a:ln>
+              <a:effectLst/>
+            </p:spPr>
+            <p:style>
+              <a:lnRef idx="2">
+                <a:schemeClr val="accent1">
+                  <a:shade val="50000"/>
+                </a:schemeClr>
+              </a:lnRef>
+              <a:fillRef idx="1">
+                <a:schemeClr val="accent1"/>
+              </a:fillRef>
+              <a:effectRef idx="0">
+                <a:schemeClr val="accent1"/>
+              </a:effectRef>
+              <a:fontRef idx="minor">
+                <a:schemeClr val="lt1"/>
+              </a:fontRef>
+            </p:style>
+            <p:txBody>
+              <a:bodyPr rtlCol="0" anchor="ctr">
+                <a:spAutoFit/>
+              </a:bodyPr>
+              <a:lstStyle/>
+              <a:p>
+                <a:pPr algn="ctr"/>
+                <a:r>
+                  <a:rPr lang="en-US" dirty="0" smtClean="0">
+                    <a:solidFill>
+                      <a:schemeClr val="tx1"/>
+                    </a:solidFill>
+                  </a:rPr>
+                  <a:t>execute specialization top-level-task</a:t>
+                </a:r>
+                <a:endParaRPr lang="en-US" dirty="0">
+                  <a:solidFill>
+                    <a:schemeClr val="tx1"/>
+                  </a:solidFill>
+                </a:endParaRPr>
+              </a:p>
+            </p:txBody>
+          </p:sp>
+          <p:cxnSp>
+            <p:nvCxnSpPr>
+              <p:cNvPr id="22" name="Straight Arrow Connector 21"/>
+              <p:cNvCxnSpPr>
+                <a:stCxn id="17" idx="3"/>
+                <a:endCxn id="21" idx="1"/>
+              </p:cNvCxnSpPr>
+              <p:nvPr/>
+            </p:nvCxnSpPr>
+            <p:spPr>
+              <a:xfrm>
+                <a:off x="5858692" y="4186758"/>
+                <a:ext cx="822958" cy="1"/>
+              </a:xfrm>
+              <a:prstGeom prst="straightConnector1">
+                <a:avLst/>
+              </a:prstGeom>
+              <a:ln w="28575">
+                <a:solidFill>
+                  <a:schemeClr val="tx1"/>
+                </a:solidFill>
+                <a:tailEnd type="triangle"/>
+              </a:ln>
+            </p:spPr>
+            <p:style>
+              <a:lnRef idx="1">
+                <a:schemeClr val="accent1"/>
+              </a:lnRef>
+              <a:fillRef idx="0">
+                <a:schemeClr val="accent1"/>
+              </a:fillRef>
+              <a:effectRef idx="0">
+                <a:schemeClr val="accent1"/>
+              </a:effectRef>
+              <a:fontRef idx="minor">
+                <a:schemeClr val="tx1"/>
+              </a:fontRef>
+            </p:style>
+          </p:cxnSp>
+          <p:sp>
+            <p:nvSpPr>
+              <p:cNvPr id="25" name="Rectangle 24"/>
+              <p:cNvSpPr/>
+              <p:nvPr/>
+            </p:nvSpPr>
+            <p:spPr>
+              <a:xfrm>
+                <a:off x="9054734" y="3725094"/>
+                <a:ext cx="1550126" cy="923330"/>
+              </a:xfrm>
+              <a:prstGeom prst="rect">
+                <a:avLst/>
+              </a:prstGeom>
+              <a:solidFill>
+                <a:schemeClr val="accent6">
+                  <a:lumMod val="40000"/>
+                  <a:lumOff val="60000"/>
+                </a:schemeClr>
+              </a:solidFill>
+              <a:ln w="25400">
+                <a:solidFill>
+                  <a:schemeClr val="tx1"/>
+                </a:solidFill>
+              </a:ln>
+              <a:effectLst/>
+            </p:spPr>
+            <p:style>
+              <a:lnRef idx="2">
+                <a:schemeClr val="accent1">
+                  <a:shade val="50000"/>
+                </a:schemeClr>
+              </a:lnRef>
+              <a:fillRef idx="1">
+                <a:schemeClr val="accent1"/>
+              </a:fillRef>
+              <a:effectRef idx="0">
+                <a:schemeClr val="accent1"/>
+              </a:effectRef>
+              <a:fontRef idx="minor">
+                <a:schemeClr val="lt1"/>
+              </a:fontRef>
+            </p:style>
+            <p:txBody>
+              <a:bodyPr rtlCol="0" anchor="ctr">
+                <a:spAutoFit/>
+              </a:bodyPr>
+              <a:lstStyle/>
+              <a:p>
+                <a:pPr algn="ctr"/>
+                <a:r>
+                  <a:rPr lang="en-US" dirty="0" smtClean="0">
+                    <a:solidFill>
+                      <a:schemeClr val="tx1"/>
+                    </a:solidFill>
+                  </a:rPr>
+                  <a:t>execute</a:t>
+                </a:r>
+                <a:br>
+                  <a:rPr lang="en-US" dirty="0" smtClean="0">
+                    <a:solidFill>
+                      <a:schemeClr val="tx1"/>
+                    </a:solidFill>
+                  </a:rPr>
+                </a:br>
+                <a:r>
+                  <a:rPr lang="en-US" dirty="0" smtClean="0">
+                    <a:solidFill>
+                      <a:schemeClr val="tx1"/>
+                    </a:solidFill>
+                  </a:rPr>
+                  <a:t>SPMD</a:t>
+                </a:r>
+                <a:br>
+                  <a:rPr lang="en-US" dirty="0" smtClean="0">
+                    <a:solidFill>
+                      <a:schemeClr val="tx1"/>
+                    </a:solidFill>
+                  </a:rPr>
+                </a:br>
+                <a:r>
+                  <a:rPr lang="en-US" dirty="0" smtClean="0">
+                    <a:solidFill>
+                      <a:schemeClr val="tx1"/>
+                    </a:solidFill>
+                  </a:rPr>
+                  <a:t>task</a:t>
+                </a:r>
+                <a:endParaRPr lang="en-US" dirty="0">
+                  <a:solidFill>
+                    <a:schemeClr val="tx1"/>
+                  </a:solidFill>
+                </a:endParaRPr>
+              </a:p>
+            </p:txBody>
+          </p:sp>
+          <p:cxnSp>
+            <p:nvCxnSpPr>
+              <p:cNvPr id="26" name="Straight Arrow Connector 25"/>
+              <p:cNvCxnSpPr>
+                <a:stCxn id="21" idx="3"/>
+                <a:endCxn id="25" idx="1"/>
+              </p:cNvCxnSpPr>
+              <p:nvPr/>
+            </p:nvCxnSpPr>
+            <p:spPr>
+              <a:xfrm>
+                <a:off x="8231776" y="4186759"/>
+                <a:ext cx="822958" cy="0"/>
+              </a:xfrm>
+              <a:prstGeom prst="straightConnector1">
+                <a:avLst/>
+              </a:prstGeom>
+              <a:ln w="28575">
+                <a:solidFill>
+                  <a:schemeClr val="tx1"/>
+                </a:solidFill>
+                <a:tailEnd type="triangle"/>
+              </a:ln>
+            </p:spPr>
+            <p:style>
+              <a:lnRef idx="1">
+                <a:schemeClr val="accent1"/>
+              </a:lnRef>
+              <a:fillRef idx="0">
+                <a:schemeClr val="accent1"/>
+              </a:fillRef>
+              <a:effectRef idx="0">
+                <a:schemeClr val="accent1"/>
+              </a:effectRef>
+              <a:fontRef idx="minor">
+                <a:schemeClr val="tx1"/>
+              </a:fontRef>
+            </p:style>
+          </p:cxnSp>
+        </p:grpSp>
+        <p:sp>
+          <p:nvSpPr>
+            <p:cNvPr id="46" name="Rectangle 45"/>
+            <p:cNvSpPr/>
+            <p:nvPr/>
+          </p:nvSpPr>
+          <p:spPr>
+            <a:xfrm>
+              <a:off x="119743" y="4963090"/>
+              <a:ext cx="11386457" cy="2015100"/>
+            </a:xfrm>
+            <a:prstGeom prst="rect">
+              <a:avLst/>
+            </a:prstGeom>
+            <a:solidFill>
+              <a:schemeClr val="bg1">
+                <a:lumMod val="95000"/>
+                <a:alpha val="62000"/>
+              </a:schemeClr>
+            </a:solidFill>
+            <a:ln>
+              <a:noFill/>
+            </a:ln>
+          </p:spPr>
+          <p:style>
+            <a:lnRef idx="2">
+              <a:schemeClr val="accent1">
+                <a:shade val="50000"/>
+              </a:schemeClr>
+            </a:lnRef>
+            <a:fillRef idx="1">
+              <a:schemeClr val="accent1"/>
+            </a:fillRef>
+            <a:effectRef idx="0">
+              <a:schemeClr val="accent1"/>
+            </a:effectRef>
+            <a:fontRef idx="minor">
+              <a:schemeClr val="lt1"/>
+            </a:fontRef>
+          </p:style>
+          <p:txBody>
+            <a:bodyPr rtlCol="0" anchor="ctr"/>
+            <a:lstStyle/>
+            <a:p>
+              <a:pPr algn="ctr"/>
+              <a:endParaRPr lang="en-US"/>
+            </a:p>
+          </p:txBody>
+        </p:sp>
+        <p:grpSp>
+          <p:nvGrpSpPr>
+            <p:cNvPr id="48" name="Group 47"/>
+            <p:cNvGrpSpPr/>
+            <p:nvPr/>
+          </p:nvGrpSpPr>
+          <p:grpSpPr>
+            <a:xfrm>
+              <a:off x="5162116" y="5508975"/>
+              <a:ext cx="3999411" cy="923330"/>
+              <a:chOff x="3045823" y="4958373"/>
+              <a:chExt cx="3999411" cy="923330"/>
+            </a:xfrm>
+          </p:grpSpPr>
+          <p:sp>
+            <p:nvSpPr>
+              <p:cNvPr id="29" name="Rectangle 28"/>
+              <p:cNvSpPr/>
+              <p:nvPr/>
+            </p:nvSpPr>
+            <p:spPr>
+              <a:xfrm>
+                <a:off x="3045823" y="4958373"/>
+                <a:ext cx="1550126" cy="923330"/>
+              </a:xfrm>
+              <a:prstGeom prst="rect">
+                <a:avLst/>
+              </a:prstGeom>
+              <a:solidFill>
+                <a:schemeClr val="accent3">
+                  <a:lumMod val="40000"/>
+                  <a:lumOff val="60000"/>
+                </a:schemeClr>
+              </a:solidFill>
+              <a:ln w="25400">
+                <a:solidFill>
+                  <a:schemeClr val="tx1"/>
+                </a:solidFill>
+              </a:ln>
+              <a:effectLst/>
+            </p:spPr>
+            <p:style>
+              <a:lnRef idx="2">
+                <a:schemeClr val="accent1">
+                  <a:shade val="50000"/>
+                </a:schemeClr>
+              </a:lnRef>
+              <a:fillRef idx="1">
+                <a:schemeClr val="accent1"/>
+              </a:fillRef>
+              <a:effectRef idx="0">
+                <a:schemeClr val="accent1"/>
+              </a:effectRef>
+              <a:fontRef idx="minor">
+                <a:schemeClr val="lt1"/>
+              </a:fontRef>
+            </p:style>
+            <p:txBody>
+              <a:bodyPr rtlCol="0" anchor="ctr">
+                <a:spAutoFit/>
+              </a:bodyPr>
+              <a:lstStyle/>
+              <a:p>
+                <a:pPr algn="ctr"/>
+                <a:r>
+                  <a:rPr lang="en-US" dirty="0" smtClean="0">
+                    <a:solidFill>
+                      <a:schemeClr val="tx1"/>
+                    </a:solidFill>
+                  </a:rPr>
+                  <a:t>execute </a:t>
+                </a:r>
+                <a:r>
+                  <a:rPr lang="en-US" smtClean="0">
+                    <a:solidFill>
+                      <a:schemeClr val="tx1"/>
+                    </a:solidFill>
+                  </a:rPr>
+                  <a:t>specialization SPMD task</a:t>
+                </a:r>
+                <a:endParaRPr lang="en-US" dirty="0">
+                  <a:solidFill>
+                    <a:schemeClr val="tx1"/>
+                  </a:solidFill>
+                </a:endParaRPr>
+              </a:p>
+            </p:txBody>
+          </p:sp>
+          <p:sp>
+            <p:nvSpPr>
+              <p:cNvPr id="30" name="Rectangle 29"/>
+              <p:cNvSpPr/>
+              <p:nvPr/>
+            </p:nvSpPr>
+            <p:spPr>
+              <a:xfrm>
+                <a:off x="5495108" y="5096872"/>
+                <a:ext cx="1550126" cy="646331"/>
+              </a:xfrm>
+              <a:prstGeom prst="rect">
+                <a:avLst/>
+              </a:prstGeom>
+              <a:solidFill>
+                <a:schemeClr val="accent3">
+                  <a:lumMod val="40000"/>
+                  <a:lumOff val="60000"/>
+                </a:schemeClr>
+              </a:solidFill>
+              <a:ln w="25400">
+                <a:solidFill>
+                  <a:schemeClr val="tx1"/>
+                </a:solidFill>
+              </a:ln>
+              <a:effectLst/>
+            </p:spPr>
+            <p:style>
+              <a:lnRef idx="2">
+                <a:schemeClr val="accent1">
+                  <a:shade val="50000"/>
+                </a:schemeClr>
+              </a:lnRef>
+              <a:fillRef idx="1">
+                <a:schemeClr val="accent1"/>
+              </a:fillRef>
+              <a:effectRef idx="0">
+                <a:schemeClr val="accent1"/>
+              </a:effectRef>
+              <a:fontRef idx="minor">
+                <a:schemeClr val="lt1"/>
+              </a:fontRef>
+            </p:style>
+            <p:txBody>
+              <a:bodyPr rtlCol="0" anchor="ctr">
+                <a:spAutoFit/>
+              </a:bodyPr>
+              <a:lstStyle/>
+              <a:p>
+                <a:pPr algn="ctr"/>
+                <a:r>
+                  <a:rPr lang="en-US" dirty="0" smtClean="0">
+                    <a:solidFill>
+                      <a:schemeClr val="tx1"/>
+                    </a:solidFill>
+                  </a:rPr>
+                  <a:t>execute</a:t>
+                </a:r>
+                <a:br>
+                  <a:rPr lang="en-US" dirty="0" smtClean="0">
+                    <a:solidFill>
+                      <a:schemeClr val="tx1"/>
+                    </a:solidFill>
+                  </a:rPr>
+                </a:br>
+                <a:r>
+                  <a:rPr lang="en-US" dirty="0" smtClean="0">
+                    <a:solidFill>
+                      <a:schemeClr val="tx1"/>
+                    </a:solidFill>
+                  </a:rPr>
+                  <a:t>driver</a:t>
+                </a:r>
+                <a:endParaRPr lang="en-US" dirty="0">
+                  <a:solidFill>
+                    <a:schemeClr val="tx1"/>
+                  </a:solidFill>
+                </a:endParaRPr>
+              </a:p>
+            </p:txBody>
+          </p:sp>
+          <p:cxnSp>
+            <p:nvCxnSpPr>
+              <p:cNvPr id="36" name="Straight Arrow Connector 35"/>
+              <p:cNvCxnSpPr>
+                <a:stCxn id="29" idx="3"/>
+                <a:endCxn id="30" idx="1"/>
+              </p:cNvCxnSpPr>
+              <p:nvPr/>
+            </p:nvCxnSpPr>
+            <p:spPr>
+              <a:xfrm>
+                <a:off x="4595949" y="5420038"/>
+                <a:ext cx="899159" cy="0"/>
+              </a:xfrm>
+              <a:prstGeom prst="straightConnector1">
+                <a:avLst/>
+              </a:prstGeom>
+              <a:ln w="28575">
+                <a:solidFill>
+                  <a:schemeClr val="tx1"/>
+                </a:solidFill>
+                <a:tailEnd type="triangle"/>
+              </a:ln>
+            </p:spPr>
+            <p:style>
+              <a:lnRef idx="1">
+                <a:schemeClr val="accent1"/>
+              </a:lnRef>
+              <a:fillRef idx="0">
+                <a:schemeClr val="accent1"/>
+              </a:fillRef>
+              <a:effectRef idx="0">
+                <a:schemeClr val="accent1"/>
+              </a:effectRef>
+              <a:fontRef idx="minor">
+                <a:schemeClr val="tx1"/>
+              </a:fontRef>
+            </p:style>
+          </p:cxnSp>
+        </p:grpSp>
+        <p:sp>
+          <p:nvSpPr>
+            <p:cNvPr id="39" name="TextBox 38"/>
+            <p:cNvSpPr txBox="1"/>
+            <p:nvPr/>
+          </p:nvSpPr>
+          <p:spPr>
+            <a:xfrm>
+              <a:off x="8834956" y="21770"/>
+              <a:ext cx="2671244" cy="369332"/>
+            </a:xfrm>
+            <a:prstGeom prst="rect">
+              <a:avLst/>
+            </a:prstGeom>
+            <a:noFill/>
+          </p:spPr>
+          <p:txBody>
+            <a:bodyPr wrap="none" rtlCol="0">
+              <a:spAutoFit/>
+            </a:bodyPr>
+            <a:lstStyle/>
+            <a:p>
+              <a:pPr algn="r"/>
+              <a:r>
+                <a:rPr lang="en-US" i="1" dirty="0" err="1" smtClean="0"/>
+                <a:t>flecsi</a:t>
+              </a:r>
+              <a:r>
+                <a:rPr lang="en-US" i="1" dirty="0" smtClean="0"/>
+                <a:t>/execution/</a:t>
+              </a:r>
+              <a:r>
+                <a:rPr lang="en-US" i="1" dirty="0" err="1" smtClean="0"/>
+                <a:t>context.h</a:t>
+              </a:r>
+              <a:endParaRPr lang="en-US" i="1" dirty="0"/>
+            </a:p>
+          </p:txBody>
+        </p:sp>
+        <p:sp>
+          <p:nvSpPr>
+            <p:cNvPr id="43" name="TextBox 42"/>
+            <p:cNvSpPr txBox="1"/>
+            <p:nvPr/>
+          </p:nvSpPr>
+          <p:spPr>
+            <a:xfrm>
+              <a:off x="8231776" y="2945631"/>
+              <a:ext cx="3277757" cy="369332"/>
+            </a:xfrm>
+            <a:prstGeom prst="rect">
+              <a:avLst/>
+            </a:prstGeom>
+            <a:noFill/>
+          </p:spPr>
+          <p:txBody>
+            <a:bodyPr wrap="none" rtlCol="0">
+              <a:spAutoFit/>
+            </a:bodyPr>
+            <a:lstStyle/>
+            <a:p>
+              <a:pPr algn="r"/>
+              <a:r>
+                <a:rPr lang="en-US" i="1" dirty="0" err="1" smtClean="0"/>
+                <a:t>flecsi</a:t>
+              </a:r>
+              <a:r>
+                <a:rPr lang="en-US" i="1" dirty="0" smtClean="0"/>
+                <a:t>/execution/</a:t>
+              </a:r>
+              <a:r>
+                <a:rPr lang="en-US" i="1" dirty="0" err="1" smtClean="0"/>
+                <a:t>runtime_driver.h</a:t>
+              </a:r>
+              <a:endParaRPr lang="en-US" i="1" dirty="0"/>
+            </a:p>
+          </p:txBody>
+        </p:sp>
+        <p:cxnSp>
+          <p:nvCxnSpPr>
+            <p:cNvPr id="31" name="Curved Connector 30"/>
+            <p:cNvCxnSpPr>
+              <a:stCxn id="25" idx="2"/>
+              <a:endCxn id="29" idx="1"/>
+            </p:cNvCxnSpPr>
+            <p:nvPr/>
+          </p:nvCxnSpPr>
+          <p:spPr>
+            <a:xfrm rot="5400000">
+              <a:off x="6718061" y="2858904"/>
+              <a:ext cx="1555792" cy="4667681"/>
+            </a:xfrm>
+            <a:prstGeom prst="curvedConnector4">
+              <a:avLst>
+                <a:gd name="adj1" fmla="val 28866"/>
+                <a:gd name="adj2" fmla="val 113061"/>
+              </a:avLst>
+            </a:prstGeom>
+            <a:ln w="31750">
+              <a:solidFill>
+                <a:schemeClr val="tx1"/>
+              </a:solidFill>
+              <a:tailEnd type="triangle"/>
+            </a:ln>
+          </p:spPr>
+          <p:style>
+            <a:lnRef idx="1">
+              <a:schemeClr val="accent1"/>
+            </a:lnRef>
+            <a:fillRef idx="0">
+              <a:schemeClr val="accent1"/>
+            </a:fillRef>
+            <a:effectRef idx="0">
+              <a:schemeClr val="accent1"/>
+            </a:effectRef>
+            <a:fontRef idx="minor">
+              <a:schemeClr val="tx1"/>
+            </a:fontRef>
+          </p:style>
+        </p:cxnSp>
+        <p:sp>
+          <p:nvSpPr>
+            <p:cNvPr id="51" name="TextBox 50"/>
+            <p:cNvSpPr txBox="1"/>
+            <p:nvPr/>
+          </p:nvSpPr>
+          <p:spPr>
+            <a:xfrm>
+              <a:off x="8231776" y="4968846"/>
+              <a:ext cx="3277757" cy="369332"/>
+            </a:xfrm>
+            <a:prstGeom prst="rect">
+              <a:avLst/>
+            </a:prstGeom>
+            <a:noFill/>
+          </p:spPr>
+          <p:txBody>
+            <a:bodyPr wrap="none" rtlCol="0">
+              <a:spAutoFit/>
+            </a:bodyPr>
+            <a:lstStyle/>
+            <a:p>
+              <a:pPr algn="r"/>
+              <a:r>
+                <a:rPr lang="en-US" i="1" dirty="0" err="1" smtClean="0"/>
+                <a:t>flecsi</a:t>
+              </a:r>
+              <a:r>
+                <a:rPr lang="en-US" i="1" dirty="0" smtClean="0"/>
+                <a:t>/execution/</a:t>
+              </a:r>
+              <a:r>
+                <a:rPr lang="en-US" i="1" dirty="0" err="1" smtClean="0"/>
+                <a:t>runtime_driver.h</a:t>
+              </a:r>
+              <a:endParaRPr lang="en-US" i="1" dirty="0"/>
+            </a:p>
+          </p:txBody>
+        </p:sp>
+      </p:grpSp>
+    </p:spTree>
+    <p:extLst>
+      <p:ext uri="{BB962C8B-B14F-4D97-AF65-F5344CB8AC3E}">
+        <p14:creationId xmlns:p14="http://schemas.microsoft.com/office/powerpoint/2010/main" val="736874867"/>
+      </p:ext>
+    </p:extLst>
+  </p:cSld>
+  <p:clrMapOvr>
+    <a:masterClrMapping/>
+  </p:clrMapOvr>
+</p:sld>
+</file>
+
 <file path=ppt/theme/theme1.xml><?xml version="1.0" encoding="utf-8"?>
 <a:theme xmlns:a="http://schemas.openxmlformats.org/drawingml/2006/main" name="Office Theme">
   <a:themeElements>
